--- a/Machine learning.pptx
+++ b/Machine learning.pptx
@@ -308,7 +308,8 @@
           <a:p>
             <a:fld id="{33876221-DCC9-49DC-A7D0-83518BFFA42A}" type="datetimeFigureOut">
               <a:rPr lang="ru-RU" smtClean="0"/>
-              <a:t>01.03.2020</a:t>
+              <a:pPr/>
+              <a:t>25.03.2020</a:t>
             </a:fld>
             <a:endParaRPr lang="ru-RU"/>
           </a:p>
@@ -350,6 +351,7 @@
           <a:p>
             <a:fld id="{2AF2F22C-50C5-4525-B26C-8A76EF29D97C}" type="slidenum">
               <a:rPr lang="ru-RU" smtClean="0"/>
+              <a:pPr/>
               <a:t>‹#›</a:t>
             </a:fld>
             <a:endParaRPr lang="ru-RU"/>
@@ -473,7 +475,8 @@
           <a:p>
             <a:fld id="{33876221-DCC9-49DC-A7D0-83518BFFA42A}" type="datetimeFigureOut">
               <a:rPr lang="ru-RU" smtClean="0"/>
-              <a:t>01.03.2020</a:t>
+              <a:pPr/>
+              <a:t>25.03.2020</a:t>
             </a:fld>
             <a:endParaRPr lang="ru-RU"/>
           </a:p>
@@ -515,6 +518,7 @@
           <a:p>
             <a:fld id="{2AF2F22C-50C5-4525-B26C-8A76EF29D97C}" type="slidenum">
               <a:rPr lang="ru-RU" smtClean="0"/>
+              <a:pPr/>
               <a:t>‹#›</a:t>
             </a:fld>
             <a:endParaRPr lang="ru-RU"/>
@@ -648,7 +652,8 @@
           <a:p>
             <a:fld id="{33876221-DCC9-49DC-A7D0-83518BFFA42A}" type="datetimeFigureOut">
               <a:rPr lang="ru-RU" smtClean="0"/>
-              <a:t>01.03.2020</a:t>
+              <a:pPr/>
+              <a:t>25.03.2020</a:t>
             </a:fld>
             <a:endParaRPr lang="ru-RU"/>
           </a:p>
@@ -690,6 +695,7 @@
           <a:p>
             <a:fld id="{2AF2F22C-50C5-4525-B26C-8A76EF29D97C}" type="slidenum">
               <a:rPr lang="ru-RU" smtClean="0"/>
+              <a:pPr/>
               <a:t>‹#›</a:t>
             </a:fld>
             <a:endParaRPr lang="ru-RU"/>
@@ -813,7 +819,8 @@
           <a:p>
             <a:fld id="{33876221-DCC9-49DC-A7D0-83518BFFA42A}" type="datetimeFigureOut">
               <a:rPr lang="ru-RU" smtClean="0"/>
-              <a:t>01.03.2020</a:t>
+              <a:pPr/>
+              <a:t>25.03.2020</a:t>
             </a:fld>
             <a:endParaRPr lang="ru-RU"/>
           </a:p>
@@ -855,6 +862,7 @@
           <a:p>
             <a:fld id="{2AF2F22C-50C5-4525-B26C-8A76EF29D97C}" type="slidenum">
               <a:rPr lang="ru-RU" smtClean="0"/>
+              <a:pPr/>
               <a:t>‹#›</a:t>
             </a:fld>
             <a:endParaRPr lang="ru-RU"/>
@@ -1054,7 +1062,8 @@
           <a:p>
             <a:fld id="{33876221-DCC9-49DC-A7D0-83518BFFA42A}" type="datetimeFigureOut">
               <a:rPr lang="ru-RU" smtClean="0"/>
-              <a:t>01.03.2020</a:t>
+              <a:pPr/>
+              <a:t>25.03.2020</a:t>
             </a:fld>
             <a:endParaRPr lang="ru-RU"/>
           </a:p>
@@ -1096,6 +1105,7 @@
           <a:p>
             <a:fld id="{2AF2F22C-50C5-4525-B26C-8A76EF29D97C}" type="slidenum">
               <a:rPr lang="ru-RU" smtClean="0"/>
+              <a:pPr/>
               <a:t>‹#›</a:t>
             </a:fld>
             <a:endParaRPr lang="ru-RU"/>
@@ -1337,7 +1347,8 @@
           <a:p>
             <a:fld id="{33876221-DCC9-49DC-A7D0-83518BFFA42A}" type="datetimeFigureOut">
               <a:rPr lang="ru-RU" smtClean="0"/>
-              <a:t>01.03.2020</a:t>
+              <a:pPr/>
+              <a:t>25.03.2020</a:t>
             </a:fld>
             <a:endParaRPr lang="ru-RU"/>
           </a:p>
@@ -1379,6 +1390,7 @@
           <a:p>
             <a:fld id="{2AF2F22C-50C5-4525-B26C-8A76EF29D97C}" type="slidenum">
               <a:rPr lang="ru-RU" smtClean="0"/>
+              <a:pPr/>
               <a:t>‹#›</a:t>
             </a:fld>
             <a:endParaRPr lang="ru-RU"/>
@@ -1754,7 +1766,8 @@
           <a:p>
             <a:fld id="{33876221-DCC9-49DC-A7D0-83518BFFA42A}" type="datetimeFigureOut">
               <a:rPr lang="ru-RU" smtClean="0"/>
-              <a:t>01.03.2020</a:t>
+              <a:pPr/>
+              <a:t>25.03.2020</a:t>
             </a:fld>
             <a:endParaRPr lang="ru-RU"/>
           </a:p>
@@ -1796,6 +1809,7 @@
           <a:p>
             <a:fld id="{2AF2F22C-50C5-4525-B26C-8A76EF29D97C}" type="slidenum">
               <a:rPr lang="ru-RU" smtClean="0"/>
+              <a:pPr/>
               <a:t>‹#›</a:t>
             </a:fld>
             <a:endParaRPr lang="ru-RU"/>
@@ -1867,7 +1881,8 @@
           <a:p>
             <a:fld id="{33876221-DCC9-49DC-A7D0-83518BFFA42A}" type="datetimeFigureOut">
               <a:rPr lang="ru-RU" smtClean="0"/>
-              <a:t>01.03.2020</a:t>
+              <a:pPr/>
+              <a:t>25.03.2020</a:t>
             </a:fld>
             <a:endParaRPr lang="ru-RU"/>
           </a:p>
@@ -1909,6 +1924,7 @@
           <a:p>
             <a:fld id="{2AF2F22C-50C5-4525-B26C-8A76EF29D97C}" type="slidenum">
               <a:rPr lang="ru-RU" smtClean="0"/>
+              <a:pPr/>
               <a:t>‹#›</a:t>
             </a:fld>
             <a:endParaRPr lang="ru-RU"/>
@@ -1957,7 +1973,8 @@
           <a:p>
             <a:fld id="{33876221-DCC9-49DC-A7D0-83518BFFA42A}" type="datetimeFigureOut">
               <a:rPr lang="ru-RU" smtClean="0"/>
-              <a:t>01.03.2020</a:t>
+              <a:pPr/>
+              <a:t>25.03.2020</a:t>
             </a:fld>
             <a:endParaRPr lang="ru-RU"/>
           </a:p>
@@ -1999,6 +2016,7 @@
           <a:p>
             <a:fld id="{2AF2F22C-50C5-4525-B26C-8A76EF29D97C}" type="slidenum">
               <a:rPr lang="ru-RU" smtClean="0"/>
+              <a:pPr/>
               <a:t>‹#›</a:t>
             </a:fld>
             <a:endParaRPr lang="ru-RU"/>
@@ -2229,7 +2247,8 @@
           <a:p>
             <a:fld id="{33876221-DCC9-49DC-A7D0-83518BFFA42A}" type="datetimeFigureOut">
               <a:rPr lang="ru-RU" smtClean="0"/>
-              <a:t>01.03.2020</a:t>
+              <a:pPr/>
+              <a:t>25.03.2020</a:t>
             </a:fld>
             <a:endParaRPr lang="ru-RU"/>
           </a:p>
@@ -2271,6 +2290,7 @@
           <a:p>
             <a:fld id="{2AF2F22C-50C5-4525-B26C-8A76EF29D97C}" type="slidenum">
               <a:rPr lang="ru-RU" smtClean="0"/>
+              <a:pPr/>
               <a:t>‹#›</a:t>
             </a:fld>
             <a:endParaRPr lang="ru-RU"/>
@@ -2477,7 +2497,8 @@
           <a:p>
             <a:fld id="{33876221-DCC9-49DC-A7D0-83518BFFA42A}" type="datetimeFigureOut">
               <a:rPr lang="ru-RU" smtClean="0"/>
-              <a:t>01.03.2020</a:t>
+              <a:pPr/>
+              <a:t>25.03.2020</a:t>
             </a:fld>
             <a:endParaRPr lang="ru-RU"/>
           </a:p>
@@ -2519,6 +2540,7 @@
           <a:p>
             <a:fld id="{2AF2F22C-50C5-4525-B26C-8A76EF29D97C}" type="slidenum">
               <a:rPr lang="ru-RU" smtClean="0"/>
+              <a:pPr/>
               <a:t>‹#›</a:t>
             </a:fld>
             <a:endParaRPr lang="ru-RU"/>
@@ -2709,7 +2731,8 @@
           <a:p>
             <a:fld id="{33876221-DCC9-49DC-A7D0-83518BFFA42A}" type="datetimeFigureOut">
               <a:rPr lang="ru-RU" smtClean="0"/>
-              <a:t>01.03.2020</a:t>
+              <a:pPr/>
+              <a:t>25.03.2020</a:t>
             </a:fld>
             <a:endParaRPr lang="ru-RU"/>
           </a:p>
@@ -2787,6 +2810,7 @@
           <a:p>
             <a:fld id="{2AF2F22C-50C5-4525-B26C-8A76EF29D97C}" type="slidenum">
               <a:rPr lang="ru-RU" smtClean="0"/>
+              <a:pPr/>
               <a:t>‹#›</a:t>
             </a:fld>
             <a:endParaRPr lang="ru-RU"/>
@@ -13758,7 +13782,7 @@
           <p:nvPr/>
         </p:nvPicPr>
         <p:blipFill>
-          <a:blip r:embed="rId2"/>
+          <a:blip r:embed="rId2" cstate="print"/>
           <a:srcRect/>
           <a:stretch>
             <a:fillRect/>
@@ -13766,8 +13790,8 @@
         </p:blipFill>
         <p:spPr bwMode="auto">
           <a:xfrm>
-            <a:off x="2285984" y="1142984"/>
-            <a:ext cx="4071966" cy="3967779"/>
+            <a:off x="3071802" y="1142984"/>
+            <a:ext cx="2571768" cy="2505966"/>
           </a:xfrm>
           <a:prstGeom prst="rect">
             <a:avLst/>
@@ -13782,6 +13806,92 @@
           <a:effectLst/>
         </p:spPr>
       </p:pic>
+      <p:sp>
+        <p:nvSpPr>
+          <p:cNvPr id="3" name="Rectangle 2"/>
+          <p:cNvSpPr/>
+          <p:nvPr/>
+        </p:nvSpPr>
+        <p:spPr>
+          <a:xfrm>
+            <a:off x="357158" y="4000504"/>
+            <a:ext cx="8001056" cy="2246769"/>
+          </a:xfrm>
+          <a:prstGeom prst="rect">
+            <a:avLst/>
+          </a:prstGeom>
+        </p:spPr>
+        <p:txBody>
+          <a:bodyPr wrap="square">
+            <a:spAutoFit/>
+          </a:bodyPr>
+          <a:lstStyle/>
+          <a:p>
+            <a:r>
+              <a:rPr lang="en-US" sz="2800" dirty="0" smtClean="0"/>
+              <a:t>Sources:</a:t>
+            </a:r>
+            <a:endParaRPr lang="en-US" sz="2800" dirty="0" smtClean="0"/>
+          </a:p>
+          <a:p>
+            <a:r>
+              <a:rPr lang="en-US" sz="2800" dirty="0" smtClean="0">
+                <a:hlinkClick r:id="rId3"/>
+              </a:rPr>
+              <a:t>https</a:t>
+            </a:r>
+            <a:r>
+              <a:rPr lang="en-US" sz="2800" dirty="0" smtClean="0">
+                <a:hlinkClick r:id="rId3"/>
+              </a:rPr>
+              <a:t>://www.tensorflow.org</a:t>
+            </a:r>
+            <a:r>
+              <a:rPr lang="en-US" sz="2800" dirty="0" smtClean="0">
+                <a:hlinkClick r:id="rId3"/>
+              </a:rPr>
+              <a:t>/</a:t>
+            </a:r>
+            <a:endParaRPr lang="ru-RU" sz="2800" dirty="0" smtClean="0"/>
+          </a:p>
+          <a:p>
+            <a:r>
+              <a:rPr lang="en-US" sz="2800" dirty="0" smtClean="0">
+                <a:hlinkClick r:id="rId4"/>
+              </a:rPr>
+              <a:t>https</a:t>
+            </a:r>
+            <a:r>
+              <a:rPr lang="en-US" sz="2800" dirty="0" smtClean="0">
+                <a:hlinkClick r:id="rId4"/>
+              </a:rPr>
+              <a:t>://habr.com/ru/post/453558</a:t>
+            </a:r>
+            <a:r>
+              <a:rPr lang="en-US" sz="2800" dirty="0" smtClean="0">
+                <a:hlinkClick r:id="rId4"/>
+              </a:rPr>
+              <a:t>/</a:t>
+            </a:r>
+            <a:endParaRPr lang="en-US" sz="2800" dirty="0" smtClean="0"/>
+          </a:p>
+          <a:p>
+            <a:r>
+              <a:rPr lang="en-US" sz="2800" dirty="0" smtClean="0">
+                <a:hlinkClick r:id="rId5"/>
+              </a:rPr>
+              <a:t>https://</a:t>
+            </a:r>
+            <a:r>
+              <a:rPr lang="en-US" sz="2800" dirty="0" smtClean="0">
+                <a:hlinkClick r:id="rId5"/>
+              </a:rPr>
+              <a:t>satonreb.gitbooks.io/machine-learning-using-tensorflow</a:t>
+            </a:r>
+            <a:endParaRPr lang="ru-RU" sz="2800" dirty="0"/>
+          </a:p>
+        </p:txBody>
+      </p:sp>
     </p:spTree>
   </p:cSld>
   <p:clrMapOvr>
